--- a/Lectures/Class1_Introductions.pptx
+++ b/Lectures/Class1_Introductions.pptx
@@ -12,8 +12,9 @@
     <p:sldId id="261" r:id="rId6"/>
     <p:sldId id="262" r:id="rId7"/>
     <p:sldId id="259" r:id="rId8"/>
-    <p:sldId id="263" r:id="rId9"/>
-    <p:sldId id="264" r:id="rId10"/>
+    <p:sldId id="265" r:id="rId9"/>
+    <p:sldId id="263" r:id="rId10"/>
+    <p:sldId id="264" r:id="rId11"/>
   </p:sldIdLst>
   <p:sldSz cx="9144000" cy="6858000" type="screen4x3"/>
   <p:notesSz cx="6858000" cy="9144000"/>
@@ -296,7 +297,7 @@
           <a:p>
             <a:fld id="{85FAFF62-CFE8-3749-A213-F8E507DE4B15}" type="datetimeFigureOut">
               <a:rPr lang="en-US" smtClean="0"/>
-              <a:t>8/27/13</a:t>
+              <a:t>1/13/15</a:t>
             </a:fld>
             <a:endParaRPr lang="en-US"/>
           </a:p>
@@ -466,7 +467,7 @@
           <a:p>
             <a:fld id="{85FAFF62-CFE8-3749-A213-F8E507DE4B15}" type="datetimeFigureOut">
               <a:rPr lang="en-US" smtClean="0"/>
-              <a:t>8/27/13</a:t>
+              <a:t>1/13/15</a:t>
             </a:fld>
             <a:endParaRPr lang="en-US"/>
           </a:p>
@@ -646,7 +647,7 @@
           <a:p>
             <a:fld id="{85FAFF62-CFE8-3749-A213-F8E507DE4B15}" type="datetimeFigureOut">
               <a:rPr lang="en-US" smtClean="0"/>
-              <a:t>8/27/13</a:t>
+              <a:t>1/13/15</a:t>
             </a:fld>
             <a:endParaRPr lang="en-US"/>
           </a:p>
@@ -816,7 +817,7 @@
           <a:p>
             <a:fld id="{85FAFF62-CFE8-3749-A213-F8E507DE4B15}" type="datetimeFigureOut">
               <a:rPr lang="en-US" smtClean="0"/>
-              <a:t>8/27/13</a:t>
+              <a:t>1/13/15</a:t>
             </a:fld>
             <a:endParaRPr lang="en-US"/>
           </a:p>
@@ -1062,7 +1063,7 @@
           <a:p>
             <a:fld id="{85FAFF62-CFE8-3749-A213-F8E507DE4B15}" type="datetimeFigureOut">
               <a:rPr lang="en-US" smtClean="0"/>
-              <a:t>8/27/13</a:t>
+              <a:t>1/13/15</a:t>
             </a:fld>
             <a:endParaRPr lang="en-US"/>
           </a:p>
@@ -1350,7 +1351,7 @@
           <a:p>
             <a:fld id="{85FAFF62-CFE8-3749-A213-F8E507DE4B15}" type="datetimeFigureOut">
               <a:rPr lang="en-US" smtClean="0"/>
-              <a:t>8/27/13</a:t>
+              <a:t>1/13/15</a:t>
             </a:fld>
             <a:endParaRPr lang="en-US"/>
           </a:p>
@@ -1772,7 +1773,7 @@
           <a:p>
             <a:fld id="{85FAFF62-CFE8-3749-A213-F8E507DE4B15}" type="datetimeFigureOut">
               <a:rPr lang="en-US" smtClean="0"/>
-              <a:t>8/27/13</a:t>
+              <a:t>1/13/15</a:t>
             </a:fld>
             <a:endParaRPr lang="en-US"/>
           </a:p>
@@ -1890,7 +1891,7 @@
           <a:p>
             <a:fld id="{85FAFF62-CFE8-3749-A213-F8E507DE4B15}" type="datetimeFigureOut">
               <a:rPr lang="en-US" smtClean="0"/>
-              <a:t>8/27/13</a:t>
+              <a:t>1/13/15</a:t>
             </a:fld>
             <a:endParaRPr lang="en-US"/>
           </a:p>
@@ -1985,7 +1986,7 @@
           <a:p>
             <a:fld id="{85FAFF62-CFE8-3749-A213-F8E507DE4B15}" type="datetimeFigureOut">
               <a:rPr lang="en-US" smtClean="0"/>
-              <a:t>8/27/13</a:t>
+              <a:t>1/13/15</a:t>
             </a:fld>
             <a:endParaRPr lang="en-US"/>
           </a:p>
@@ -2262,7 +2263,7 @@
           <a:p>
             <a:fld id="{85FAFF62-CFE8-3749-A213-F8E507DE4B15}" type="datetimeFigureOut">
               <a:rPr lang="en-US" smtClean="0"/>
-              <a:t>8/27/13</a:t>
+              <a:t>1/13/15</a:t>
             </a:fld>
             <a:endParaRPr lang="en-US"/>
           </a:p>
@@ -2515,7 +2516,7 @@
           <a:p>
             <a:fld id="{85FAFF62-CFE8-3749-A213-F8E507DE4B15}" type="datetimeFigureOut">
               <a:rPr lang="en-US" smtClean="0"/>
-              <a:t>8/27/13</a:t>
+              <a:t>1/13/15</a:t>
             </a:fld>
             <a:endParaRPr lang="en-US"/>
           </a:p>
@@ -2728,7 +2729,7 @@
           <a:p>
             <a:fld id="{85FAFF62-CFE8-3749-A213-F8E507DE4B15}" type="datetimeFigureOut">
               <a:rPr lang="en-US" smtClean="0"/>
-              <a:t>8/27/13</a:t>
+              <a:t>1/13/15</a:t>
             </a:fld>
             <a:endParaRPr lang="en-US"/>
           </a:p>
@@ -3155,7 +3156,7 @@
           <a:p>
             <a:r>
               <a:rPr lang="en-US" dirty="0" smtClean="0"/>
-              <a:t>Chase Hall 113</a:t>
+              <a:t>ANDN 114</a:t>
             </a:r>
             <a:endParaRPr lang="en-US" dirty="0"/>
           </a:p>
@@ -3165,6 +3166,98 @@
     <p:extLst>
       <p:ext uri="{BB962C8B-B14F-4D97-AF65-F5344CB8AC3E}">
         <p14:creationId xmlns:p14="http://schemas.microsoft.com/office/powerpoint/2010/main" val="2336834149"/>
+      </p:ext>
+    </p:extLst>
+  </p:cSld>
+  <p:clrMapOvr>
+    <a:masterClrMapping/>
+  </p:clrMapOvr>
+</p:sld>
+</file>
+
+<file path=ppt/slides/slide10.xml><?xml version="1.0" encoding="utf-8"?>
+<p:sld xmlns:a="http://schemas.openxmlformats.org/drawingml/2006/main" xmlns:r="http://schemas.openxmlformats.org/officeDocument/2006/relationships" xmlns:p="http://schemas.openxmlformats.org/presentationml/2006/main">
+  <p:cSld>
+    <p:spTree>
+      <p:nvGrpSpPr>
+        <p:cNvPr id="1" name=""/>
+        <p:cNvGrpSpPr/>
+        <p:nvPr/>
+      </p:nvGrpSpPr>
+      <p:grpSpPr>
+        <a:xfrm>
+          <a:off x="0" y="0"/>
+          <a:ext cx="0" cy="0"/>
+          <a:chOff x="0" y="0"/>
+          <a:chExt cx="0" cy="0"/>
+        </a:xfrm>
+      </p:grpSpPr>
+      <p:sp>
+        <p:nvSpPr>
+          <p:cNvPr id="4" name="Title 3"/>
+          <p:cNvSpPr>
+            <a:spLocks noGrp="1"/>
+          </p:cNvSpPr>
+          <p:nvPr>
+            <p:ph type="ctrTitle"/>
+          </p:nvPr>
+        </p:nvSpPr>
+        <p:spPr/>
+        <p:txBody>
+          <a:bodyPr/>
+          <a:lstStyle/>
+          <a:p>
+            <a:r>
+              <a:rPr lang="en-US" dirty="0" smtClean="0"/>
+              <a:t>Questions?</a:t>
+            </a:r>
+            <a:endParaRPr lang="en-US" dirty="0"/>
+          </a:p>
+        </p:txBody>
+      </p:sp>
+      <p:sp>
+        <p:nvSpPr>
+          <p:cNvPr id="5" name="Subtitle 4"/>
+          <p:cNvSpPr>
+            <a:spLocks noGrp="1"/>
+          </p:cNvSpPr>
+          <p:nvPr>
+            <p:ph type="subTitle" idx="1"/>
+          </p:nvPr>
+        </p:nvSpPr>
+        <p:spPr/>
+        <p:txBody>
+          <a:bodyPr/>
+          <a:lstStyle/>
+          <a:p>
+            <a:r>
+              <a:rPr lang="en-US" dirty="0" smtClean="0">
+                <a:hlinkClick r:id="rId2"/>
+              </a:rPr>
+              <a:t>matt.waite@unl.edu</a:t>
+            </a:r>
+            <a:endParaRPr lang="en-US" dirty="0" smtClean="0"/>
+          </a:p>
+          <a:p>
+            <a:r>
+              <a:rPr lang="en-US" dirty="0" smtClean="0"/>
+              <a:t>@</a:t>
+            </a:r>
+            <a:r>
+              <a:rPr lang="en-US" dirty="0" err="1" smtClean="0"/>
+              <a:t>mattwaite</a:t>
+            </a:r>
+            <a:endParaRPr lang="en-US" smtClean="0"/>
+          </a:p>
+          <a:p>
+            <a:endParaRPr lang="en-US"/>
+          </a:p>
+        </p:txBody>
+      </p:sp>
+    </p:spTree>
+    <p:extLst>
+      <p:ext uri="{BB962C8B-B14F-4D97-AF65-F5344CB8AC3E}">
+        <p14:creationId xmlns:p14="http://schemas.microsoft.com/office/powerpoint/2010/main" val="52073736"/>
       </p:ext>
     </p:extLst>
   </p:cSld>
@@ -3567,8 +3660,13 @@
           <a:p>
             <a:r>
               <a:rPr lang="en-US" dirty="0" smtClean="0"/>
-              <a:t>And, you’re not alone. Stuck? Struggling? Come to Maker Hours. Most Fridays, room 27 in Andersen Hall, noon to 4ish.</a:t>
-            </a:r>
+              <a:t>And, you’re not alone. Stuck? Struggling? Come to Maker Hours. Most Fridays, room 27 in Andersen Hall, </a:t>
+            </a:r>
+            <a:r>
+              <a:rPr lang="en-US" dirty="0" smtClean="0"/>
+              <a:t>1 to 5.</a:t>
+            </a:r>
+            <a:endParaRPr lang="en-US" dirty="0" smtClean="0"/>
           </a:p>
           <a:p>
             <a:r>
@@ -3603,6 +3701,13 @@
   <p:clrMapOvr>
     <a:masterClrMapping/>
   </p:clrMapOvr>
+  <p:timing>
+    <p:tnLst>
+      <p:par>
+        <p:cTn xmlns:p14="http://schemas.microsoft.com/office/powerpoint/2010/main" id="1" dur="indefinite" restart="never" nodeType="tmRoot"/>
+      </p:par>
+    </p:tnLst>
+  </p:timing>
 </p:sld>
 </file>
 
@@ -3697,6 +3802,13 @@
   <p:clrMapOvr>
     <a:masterClrMapping/>
   </p:clrMapOvr>
+  <p:timing>
+    <p:tnLst>
+      <p:par>
+        <p:cTn xmlns:p14="http://schemas.microsoft.com/office/powerpoint/2010/main" id="1" dur="indefinite" restart="never" nodeType="tmRoot"/>
+      </p:par>
+    </p:tnLst>
+  </p:timing>
 </p:sld>
 </file>
 
@@ -3717,110 +3829,39 @@
           <a:chExt cx="0" cy="0"/>
         </a:xfrm>
       </p:grpSpPr>
-      <p:sp>
-        <p:nvSpPr>
-          <p:cNvPr id="2" name="Title 1"/>
-          <p:cNvSpPr>
-            <a:spLocks noGrp="1"/>
-          </p:cNvSpPr>
-          <p:nvPr>
-            <p:ph type="title"/>
-          </p:nvPr>
-        </p:nvSpPr>
-        <p:spPr/>
-        <p:txBody>
-          <a:bodyPr/>
-          <a:lstStyle/>
-          <a:p>
-            <a:r>
-              <a:rPr lang="en-US" dirty="0" smtClean="0"/>
-              <a:t>First assignment.</a:t>
-            </a:r>
-            <a:endParaRPr lang="en-US" dirty="0"/>
-          </a:p>
-        </p:txBody>
-      </p:sp>
-      <p:sp>
-        <p:nvSpPr>
-          <p:cNvPr id="3" name="Content Placeholder 2"/>
-          <p:cNvSpPr>
-            <a:spLocks noGrp="1"/>
-          </p:cNvSpPr>
-          <p:nvPr>
-            <p:ph idx="1"/>
-          </p:nvPr>
-        </p:nvSpPr>
-        <p:spPr/>
-        <p:txBody>
-          <a:bodyPr>
-            <a:normAutofit fontScale="92500" lnSpcReduction="20000"/>
-          </a:bodyPr>
-          <a:lstStyle/>
-          <a:p>
-            <a:r>
-              <a:rPr lang="en-US" dirty="0" smtClean="0"/>
-              <a:t>Buy the books.</a:t>
-            </a:r>
-          </a:p>
-          <a:p>
-            <a:r>
-              <a:rPr lang="en-US" dirty="0" smtClean="0"/>
-              <a:t>Go to </a:t>
-            </a:r>
-            <a:r>
-              <a:rPr lang="en-US" dirty="0" err="1" smtClean="0"/>
-              <a:t>GitHub.com</a:t>
-            </a:r>
-            <a:r>
-              <a:rPr lang="en-US" dirty="0" smtClean="0"/>
-              <a:t> and sign up for an account.</a:t>
-            </a:r>
-          </a:p>
-          <a:p>
-            <a:r>
-              <a:rPr lang="en-US" dirty="0" smtClean="0"/>
-              <a:t>Download the </a:t>
-            </a:r>
-            <a:r>
-              <a:rPr lang="en-US" dirty="0" err="1" smtClean="0"/>
-              <a:t>Git</a:t>
-            </a:r>
-            <a:r>
-              <a:rPr lang="en-US" dirty="0" smtClean="0"/>
-              <a:t> installer for your machine (see the syllabus).</a:t>
-            </a:r>
-          </a:p>
-          <a:p>
-            <a:r>
-              <a:rPr lang="en-US" dirty="0" smtClean="0"/>
-              <a:t>Fork the course repository into your own account.</a:t>
-            </a:r>
-          </a:p>
-          <a:p>
-            <a:r>
-              <a:rPr lang="en-US" dirty="0" smtClean="0"/>
-              <a:t>Clone the repository to your local machine.</a:t>
-            </a:r>
-          </a:p>
-          <a:p>
-            <a:r>
-              <a:rPr lang="en-US" dirty="0" smtClean="0"/>
-              <a:t>Clueless? Confused. Get thee to Google.</a:t>
-            </a:r>
-          </a:p>
-          <a:p>
-            <a:r>
-              <a:rPr lang="en-US" dirty="0" smtClean="0"/>
-              <a:t>Revel in all that you have done. Look upon it for it is good.</a:t>
-            </a:r>
-            <a:endParaRPr lang="en-US" dirty="0"/>
-          </a:p>
-        </p:txBody>
-      </p:sp>
+      <p:pic>
+        <p:nvPicPr>
+          <p:cNvPr id="4" name="Picture 3" descr="IMG_1307.PNG"/>
+          <p:cNvPicPr>
+            <a:picLocks noChangeAspect="1"/>
+          </p:cNvPicPr>
+          <p:nvPr/>
+        </p:nvPicPr>
+        <p:blipFill rotWithShape="1">
+          <a:blip r:embed="rId2">
+            <a:extLst>
+              <a:ext uri="{28A0092B-C50C-407E-A947-70E740481C1C}">
+                <a14:useLocalDpi xmlns:a14="http://schemas.microsoft.com/office/drawing/2010/main" val="0"/>
+              </a:ext>
+            </a:extLst>
+          </a:blip>
+          <a:srcRect t="18189" b="46756"/>
+          <a:stretch/>
+        </p:blipFill>
+        <p:spPr>
+          <a:xfrm>
+            <a:off x="698965" y="1145362"/>
+            <a:ext cx="7782001" cy="4842276"/>
+          </a:xfrm>
+          <a:prstGeom prst="rect">
+            <a:avLst/>
+          </a:prstGeom>
+        </p:spPr>
+      </p:pic>
     </p:spTree>
     <p:extLst>
       <p:ext uri="{BB962C8B-B14F-4D97-AF65-F5344CB8AC3E}">
-        <p14:creationId xmlns:p14="http://schemas.microsoft.com/office/powerpoint/2010/main" val="3743513266"/>
+        <p14:creationId xmlns:p14="http://schemas.microsoft.com/office/powerpoint/2010/main" val="1598595462"/>
       </p:ext>
     </p:extLst>
   </p:cSld>
@@ -3849,12 +3890,12 @@
       </p:grpSpPr>
       <p:sp>
         <p:nvSpPr>
-          <p:cNvPr id="4" name="Title 3"/>
-          <p:cNvSpPr>
-            <a:spLocks noGrp="1"/>
-          </p:cNvSpPr>
-          <p:nvPr>
-            <p:ph type="ctrTitle"/>
+          <p:cNvPr id="2" name="Title 1"/>
+          <p:cNvSpPr>
+            <a:spLocks noGrp="1"/>
+          </p:cNvSpPr>
+          <p:nvPr>
+            <p:ph type="title"/>
           </p:nvPr>
         </p:nvSpPr>
         <p:spPr/>
@@ -3864,7 +3905,7 @@
           <a:p>
             <a:r>
               <a:rPr lang="en-US" dirty="0" smtClean="0"/>
-              <a:t>Questions?</a:t>
+              <a:t>First assignment.</a:t>
             </a:r>
             <a:endParaRPr lang="en-US" dirty="0"/>
           </a:p>
@@ -3872,53 +3913,96 @@
       </p:sp>
       <p:sp>
         <p:nvSpPr>
-          <p:cNvPr id="5" name="Subtitle 4"/>
-          <p:cNvSpPr>
-            <a:spLocks noGrp="1"/>
-          </p:cNvSpPr>
-          <p:nvPr>
-            <p:ph type="subTitle" idx="1"/>
-          </p:nvPr>
-        </p:nvSpPr>
-        <p:spPr/>
-        <p:txBody>
-          <a:bodyPr/>
-          <a:lstStyle/>
-          <a:p>
-            <a:r>
-              <a:rPr lang="en-US" dirty="0" smtClean="0">
-                <a:hlinkClick r:id="rId2"/>
-              </a:rPr>
-              <a:t>matt.waite@unl.edu</a:t>
-            </a:r>
-            <a:endParaRPr lang="en-US" dirty="0" smtClean="0"/>
-          </a:p>
+          <p:cNvPr id="3" name="Content Placeholder 2"/>
+          <p:cNvSpPr>
+            <a:spLocks noGrp="1"/>
+          </p:cNvSpPr>
+          <p:nvPr>
+            <p:ph idx="1"/>
+          </p:nvPr>
+        </p:nvSpPr>
+        <p:spPr/>
+        <p:txBody>
+          <a:bodyPr>
+            <a:normAutofit/>
+          </a:bodyPr>
+          <a:lstStyle/>
           <a:p>
             <a:r>
               <a:rPr lang="en-US" dirty="0" smtClean="0"/>
-              <a:t>@</a:t>
+              <a:t>Buy the books.</a:t>
+            </a:r>
+          </a:p>
+          <a:p>
+            <a:r>
+              <a:rPr lang="en-US" dirty="0" smtClean="0"/>
+              <a:t>Go to </a:t>
             </a:r>
             <a:r>
               <a:rPr lang="en-US" dirty="0" err="1" smtClean="0"/>
-              <a:t>mattwaite</a:t>
-            </a:r>
-            <a:endParaRPr lang="en-US" smtClean="0"/>
-          </a:p>
-          <a:p>
-            <a:endParaRPr lang="en-US"/>
+              <a:t>GitHub.com</a:t>
+            </a:r>
+            <a:r>
+              <a:rPr lang="en-US" dirty="0" smtClean="0"/>
+              <a:t> and sign up for an account.</a:t>
+            </a:r>
+          </a:p>
+          <a:p>
+            <a:r>
+              <a:rPr lang="en-US" dirty="0" smtClean="0"/>
+              <a:t>Download the </a:t>
+            </a:r>
+            <a:r>
+              <a:rPr lang="en-US" dirty="0" err="1" smtClean="0"/>
+              <a:t>Git</a:t>
+            </a:r>
+            <a:r>
+              <a:rPr lang="en-US" dirty="0" smtClean="0"/>
+              <a:t> installer for your machine (see the syllabus).</a:t>
+            </a:r>
+          </a:p>
+          <a:p>
+            <a:r>
+              <a:rPr lang="en-US" dirty="0" smtClean="0"/>
+              <a:t>Clone </a:t>
+            </a:r>
+            <a:r>
+              <a:rPr lang="en-US" dirty="0" smtClean="0"/>
+              <a:t>the repository to your local machine.</a:t>
+            </a:r>
+          </a:p>
+          <a:p>
+            <a:r>
+              <a:rPr lang="en-US" dirty="0" smtClean="0"/>
+              <a:t>Clueless? Confused. Get thee to Google.</a:t>
+            </a:r>
+          </a:p>
+          <a:p>
+            <a:r>
+              <a:rPr lang="en-US" dirty="0" smtClean="0"/>
+              <a:t>Revel in all that you have done. Look upon it for it is good.</a:t>
+            </a:r>
+            <a:endParaRPr lang="en-US" dirty="0"/>
           </a:p>
         </p:txBody>
       </p:sp>
     </p:spTree>
     <p:extLst>
       <p:ext uri="{BB962C8B-B14F-4D97-AF65-F5344CB8AC3E}">
-        <p14:creationId xmlns:p14="http://schemas.microsoft.com/office/powerpoint/2010/main" val="52073736"/>
+        <p14:creationId xmlns:p14="http://schemas.microsoft.com/office/powerpoint/2010/main" val="3743513266"/>
       </p:ext>
     </p:extLst>
   </p:cSld>
   <p:clrMapOvr>
     <a:masterClrMapping/>
   </p:clrMapOvr>
+  <p:timing>
+    <p:tnLst>
+      <p:par>
+        <p:cTn xmlns:p14="http://schemas.microsoft.com/office/powerpoint/2010/main" id="1" dur="indefinite" restart="never" nodeType="tmRoot"/>
+      </p:par>
+    </p:tnLst>
+  </p:timing>
 </p:sld>
 </file>
 

--- a/Lectures/Class1_Introductions.pptx
+++ b/Lectures/Class1_Introductions.pptx
@@ -297,7 +297,7 @@
           <a:p>
             <a:fld id="{85FAFF62-CFE8-3749-A213-F8E507DE4B15}" type="datetimeFigureOut">
               <a:rPr lang="en-US" smtClean="0"/>
-              <a:t>1/13/15</a:t>
+              <a:t>8/22/16</a:t>
             </a:fld>
             <a:endParaRPr lang="en-US"/>
           </a:p>
@@ -467,7 +467,7 @@
           <a:p>
             <a:fld id="{85FAFF62-CFE8-3749-A213-F8E507DE4B15}" type="datetimeFigureOut">
               <a:rPr lang="en-US" smtClean="0"/>
-              <a:t>1/13/15</a:t>
+              <a:t>8/22/16</a:t>
             </a:fld>
             <a:endParaRPr lang="en-US"/>
           </a:p>
@@ -647,7 +647,7 @@
           <a:p>
             <a:fld id="{85FAFF62-CFE8-3749-A213-F8E507DE4B15}" type="datetimeFigureOut">
               <a:rPr lang="en-US" smtClean="0"/>
-              <a:t>1/13/15</a:t>
+              <a:t>8/22/16</a:t>
             </a:fld>
             <a:endParaRPr lang="en-US"/>
           </a:p>
@@ -817,7 +817,7 @@
           <a:p>
             <a:fld id="{85FAFF62-CFE8-3749-A213-F8E507DE4B15}" type="datetimeFigureOut">
               <a:rPr lang="en-US" smtClean="0"/>
-              <a:t>1/13/15</a:t>
+              <a:t>8/22/16</a:t>
             </a:fld>
             <a:endParaRPr lang="en-US"/>
           </a:p>
@@ -1063,7 +1063,7 @@
           <a:p>
             <a:fld id="{85FAFF62-CFE8-3749-A213-F8E507DE4B15}" type="datetimeFigureOut">
               <a:rPr lang="en-US" smtClean="0"/>
-              <a:t>1/13/15</a:t>
+              <a:t>8/22/16</a:t>
             </a:fld>
             <a:endParaRPr lang="en-US"/>
           </a:p>
@@ -1351,7 +1351,7 @@
           <a:p>
             <a:fld id="{85FAFF62-CFE8-3749-A213-F8E507DE4B15}" type="datetimeFigureOut">
               <a:rPr lang="en-US" smtClean="0"/>
-              <a:t>1/13/15</a:t>
+              <a:t>8/22/16</a:t>
             </a:fld>
             <a:endParaRPr lang="en-US"/>
           </a:p>
@@ -1773,7 +1773,7 @@
           <a:p>
             <a:fld id="{85FAFF62-CFE8-3749-A213-F8E507DE4B15}" type="datetimeFigureOut">
               <a:rPr lang="en-US" smtClean="0"/>
-              <a:t>1/13/15</a:t>
+              <a:t>8/22/16</a:t>
             </a:fld>
             <a:endParaRPr lang="en-US"/>
           </a:p>
@@ -1891,7 +1891,7 @@
           <a:p>
             <a:fld id="{85FAFF62-CFE8-3749-A213-F8E507DE4B15}" type="datetimeFigureOut">
               <a:rPr lang="en-US" smtClean="0"/>
-              <a:t>1/13/15</a:t>
+              <a:t>8/22/16</a:t>
             </a:fld>
             <a:endParaRPr lang="en-US"/>
           </a:p>
@@ -1986,7 +1986,7 @@
           <a:p>
             <a:fld id="{85FAFF62-CFE8-3749-A213-F8E507DE4B15}" type="datetimeFigureOut">
               <a:rPr lang="en-US" smtClean="0"/>
-              <a:t>1/13/15</a:t>
+              <a:t>8/22/16</a:t>
             </a:fld>
             <a:endParaRPr lang="en-US"/>
           </a:p>
@@ -2263,7 +2263,7 @@
           <a:p>
             <a:fld id="{85FAFF62-CFE8-3749-A213-F8E507DE4B15}" type="datetimeFigureOut">
               <a:rPr lang="en-US" smtClean="0"/>
-              <a:t>1/13/15</a:t>
+              <a:t>8/22/16</a:t>
             </a:fld>
             <a:endParaRPr lang="en-US"/>
           </a:p>
@@ -2516,7 +2516,7 @@
           <a:p>
             <a:fld id="{85FAFF62-CFE8-3749-A213-F8E507DE4B15}" type="datetimeFigureOut">
               <a:rPr lang="en-US" smtClean="0"/>
-              <a:t>1/13/15</a:t>
+              <a:t>8/22/16</a:t>
             </a:fld>
             <a:endParaRPr lang="en-US"/>
           </a:p>
@@ -2729,7 +2729,7 @@
           <a:p>
             <a:fld id="{85FAFF62-CFE8-3749-A213-F8E507DE4B15}" type="datetimeFigureOut">
               <a:rPr lang="en-US" smtClean="0"/>
-              <a:t>1/13/15</a:t>
+              <a:t>8/22/16</a:t>
             </a:fld>
             <a:endParaRPr lang="en-US"/>
           </a:p>
@@ -3150,13 +3150,22 @@
           <a:p>
             <a:r>
               <a:rPr lang="en-US" dirty="0" smtClean="0"/>
-              <a:t>T | TH 3:30-4:45</a:t>
-            </a:r>
-          </a:p>
-          <a:p>
+              <a:t>T | TH </a:t>
+            </a:r>
             <a:r>
               <a:rPr lang="en-US" dirty="0" smtClean="0"/>
-              <a:t>ANDN 114</a:t>
+              <a:t>2 – 3:15</a:t>
+            </a:r>
+            <a:endParaRPr lang="en-US" dirty="0" smtClean="0"/>
+          </a:p>
+          <a:p>
+            <a:r>
+              <a:rPr lang="en-US" dirty="0" smtClean="0"/>
+              <a:t>ANDN </a:t>
+            </a:r>
+            <a:r>
+              <a:rPr lang="en-US" dirty="0" smtClean="0"/>
+              <a:t>309</a:t>
             </a:r>
             <a:endParaRPr lang="en-US" dirty="0"/>
           </a:p>
@@ -3572,13 +3581,11 @@
           <a:p>
             <a:r>
               <a:rPr lang="en-US" dirty="0" smtClean="0"/>
-              <a:t>Some of this class will be conducted via Google Hangouts online (for several reasons).</a:t>
-            </a:r>
-          </a:p>
-          <a:p>
+              <a:t>Effort</a:t>
+            </a:r>
             <a:r>
               <a:rPr lang="en-US" dirty="0" smtClean="0"/>
-              <a:t>Effort, ambition and creativity will get you an A in this class. Mailing it in will not go well for you.</a:t>
+              <a:t>, ambition and creativity will get you an A in this class. Mailing it in will not go well for you.</a:t>
             </a:r>
             <a:endParaRPr lang="en-US" dirty="0"/>
           </a:p>
@@ -3660,13 +3667,8 @@
           <a:p>
             <a:r>
               <a:rPr lang="en-US" dirty="0" smtClean="0"/>
-              <a:t>And, you’re not alone. Stuck? Struggling? Come to Maker Hours. Most Fridays, room 27 in Andersen Hall, </a:t>
-            </a:r>
-            <a:r>
-              <a:rPr lang="en-US" dirty="0" smtClean="0"/>
-              <a:t>1 to 5.</a:t>
-            </a:r>
-            <a:endParaRPr lang="en-US" dirty="0" smtClean="0"/>
+              <a:t>And, you’re not alone. Stuck? Struggling? Come to Maker Hours. Most Fridays, room 27 in Andersen Hall, 1 to 5.</a:t>
+            </a:r>
           </a:p>
           <a:p>
             <a:r>
@@ -3964,11 +3966,7 @@
           <a:p>
             <a:r>
               <a:rPr lang="en-US" dirty="0" smtClean="0"/>
-              <a:t>Clone </a:t>
-            </a:r>
-            <a:r>
-              <a:rPr lang="en-US" dirty="0" smtClean="0"/>
-              <a:t>the repository to your local machine.</a:t>
+              <a:t>Clone the repository to your local machine.</a:t>
             </a:r>
           </a:p>
           <a:p>

--- a/Lectures/Class1_Introductions.pptx
+++ b/Lectures/Class1_Introductions.pptx
@@ -297,7 +297,7 @@
           <a:p>
             <a:fld id="{85FAFF62-CFE8-3749-A213-F8E507DE4B15}" type="datetimeFigureOut">
               <a:rPr lang="en-US" smtClean="0"/>
-              <a:t>8/22/16</a:t>
+              <a:t>8/23/16</a:t>
             </a:fld>
             <a:endParaRPr lang="en-US"/>
           </a:p>
@@ -467,7 +467,7 @@
           <a:p>
             <a:fld id="{85FAFF62-CFE8-3749-A213-F8E507DE4B15}" type="datetimeFigureOut">
               <a:rPr lang="en-US" smtClean="0"/>
-              <a:t>8/22/16</a:t>
+              <a:t>8/23/16</a:t>
             </a:fld>
             <a:endParaRPr lang="en-US"/>
           </a:p>
@@ -647,7 +647,7 @@
           <a:p>
             <a:fld id="{85FAFF62-CFE8-3749-A213-F8E507DE4B15}" type="datetimeFigureOut">
               <a:rPr lang="en-US" smtClean="0"/>
-              <a:t>8/22/16</a:t>
+              <a:t>8/23/16</a:t>
             </a:fld>
             <a:endParaRPr lang="en-US"/>
           </a:p>
@@ -817,7 +817,7 @@
           <a:p>
             <a:fld id="{85FAFF62-CFE8-3749-A213-F8E507DE4B15}" type="datetimeFigureOut">
               <a:rPr lang="en-US" smtClean="0"/>
-              <a:t>8/22/16</a:t>
+              <a:t>8/23/16</a:t>
             </a:fld>
             <a:endParaRPr lang="en-US"/>
           </a:p>
@@ -1063,7 +1063,7 @@
           <a:p>
             <a:fld id="{85FAFF62-CFE8-3749-A213-F8E507DE4B15}" type="datetimeFigureOut">
               <a:rPr lang="en-US" smtClean="0"/>
-              <a:t>8/22/16</a:t>
+              <a:t>8/23/16</a:t>
             </a:fld>
             <a:endParaRPr lang="en-US"/>
           </a:p>
@@ -1351,7 +1351,7 @@
           <a:p>
             <a:fld id="{85FAFF62-CFE8-3749-A213-F8E507DE4B15}" type="datetimeFigureOut">
               <a:rPr lang="en-US" smtClean="0"/>
-              <a:t>8/22/16</a:t>
+              <a:t>8/23/16</a:t>
             </a:fld>
             <a:endParaRPr lang="en-US"/>
           </a:p>
@@ -1773,7 +1773,7 @@
           <a:p>
             <a:fld id="{85FAFF62-CFE8-3749-A213-F8E507DE4B15}" type="datetimeFigureOut">
               <a:rPr lang="en-US" smtClean="0"/>
-              <a:t>8/22/16</a:t>
+              <a:t>8/23/16</a:t>
             </a:fld>
             <a:endParaRPr lang="en-US"/>
           </a:p>
@@ -1891,7 +1891,7 @@
           <a:p>
             <a:fld id="{85FAFF62-CFE8-3749-A213-F8E507DE4B15}" type="datetimeFigureOut">
               <a:rPr lang="en-US" smtClean="0"/>
-              <a:t>8/22/16</a:t>
+              <a:t>8/23/16</a:t>
             </a:fld>
             <a:endParaRPr lang="en-US"/>
           </a:p>
@@ -1986,7 +1986,7 @@
           <a:p>
             <a:fld id="{85FAFF62-CFE8-3749-A213-F8E507DE4B15}" type="datetimeFigureOut">
               <a:rPr lang="en-US" smtClean="0"/>
-              <a:t>8/22/16</a:t>
+              <a:t>8/23/16</a:t>
             </a:fld>
             <a:endParaRPr lang="en-US"/>
           </a:p>
@@ -2263,7 +2263,7 @@
           <a:p>
             <a:fld id="{85FAFF62-CFE8-3749-A213-F8E507DE4B15}" type="datetimeFigureOut">
               <a:rPr lang="en-US" smtClean="0"/>
-              <a:t>8/22/16</a:t>
+              <a:t>8/23/16</a:t>
             </a:fld>
             <a:endParaRPr lang="en-US"/>
           </a:p>
@@ -2516,7 +2516,7 @@
           <a:p>
             <a:fld id="{85FAFF62-CFE8-3749-A213-F8E507DE4B15}" type="datetimeFigureOut">
               <a:rPr lang="en-US" smtClean="0"/>
-              <a:t>8/22/16</a:t>
+              <a:t>8/23/16</a:t>
             </a:fld>
             <a:endParaRPr lang="en-US"/>
           </a:p>
@@ -2729,7 +2729,7 @@
           <a:p>
             <a:fld id="{85FAFF62-CFE8-3749-A213-F8E507DE4B15}" type="datetimeFigureOut">
               <a:rPr lang="en-US" smtClean="0"/>
-              <a:t>8/22/16</a:t>
+              <a:t>8/23/16</a:t>
             </a:fld>
             <a:endParaRPr lang="en-US"/>
           </a:p>
@@ -3150,22 +3150,13 @@
           <a:p>
             <a:r>
               <a:rPr lang="en-US" dirty="0" smtClean="0"/>
-              <a:t>T | TH </a:t>
-            </a:r>
+              <a:t>T | TH 2 – 3:15</a:t>
+            </a:r>
+          </a:p>
+          <a:p>
             <a:r>
               <a:rPr lang="en-US" dirty="0" smtClean="0"/>
-              <a:t>2 – 3:15</a:t>
-            </a:r>
-            <a:endParaRPr lang="en-US" dirty="0" smtClean="0"/>
-          </a:p>
-          <a:p>
-            <a:r>
-              <a:rPr lang="en-US" dirty="0" smtClean="0"/>
-              <a:t>ANDN </a:t>
-            </a:r>
-            <a:r>
-              <a:rPr lang="en-US" dirty="0" smtClean="0"/>
-              <a:t>309</a:t>
+              <a:t>ANDN 309</a:t>
             </a:r>
             <a:endParaRPr lang="en-US" dirty="0"/>
           </a:p>
@@ -3273,6 +3264,13 @@
   <p:clrMapOvr>
     <a:masterClrMapping/>
   </p:clrMapOvr>
+  <p:timing>
+    <p:tnLst>
+      <p:par>
+        <p:cTn xmlns:p14="http://schemas.microsoft.com/office/powerpoint/2010/main" id="1" dur="indefinite" restart="never" nodeType="tmRoot"/>
+      </p:par>
+    </p:tnLst>
+  </p:timing>
 </p:sld>
 </file>
 
@@ -3581,11 +3579,7 @@
           <a:p>
             <a:r>
               <a:rPr lang="en-US" dirty="0" smtClean="0"/>
-              <a:t>Effort</a:t>
-            </a:r>
-            <a:r>
-              <a:rPr lang="en-US" dirty="0" smtClean="0"/>
-              <a:t>, ambition and creativity will get you an A in this class. Mailing it in will not go well for you.</a:t>
+              <a:t>Effort, ambition and creativity will get you an A in this class. Mailing it in will not go well for you.</a:t>
             </a:r>
             <a:endParaRPr lang="en-US" dirty="0"/>
           </a:p>
@@ -3870,6 +3864,13 @@
   <p:clrMapOvr>
     <a:masterClrMapping/>
   </p:clrMapOvr>
+  <p:timing>
+    <p:tnLst>
+      <p:par>
+        <p:cTn xmlns:p14="http://schemas.microsoft.com/office/powerpoint/2010/main" id="1" dur="indefinite" restart="never" nodeType="tmRoot"/>
+      </p:par>
+    </p:tnLst>
+  </p:timing>
 </p:sld>
 </file>
 
@@ -3926,7 +3927,7 @@
         <p:spPr/>
         <p:txBody>
           <a:bodyPr>
-            <a:normAutofit/>
+            <a:normAutofit fontScale="92500" lnSpcReduction="20000"/>
           </a:bodyPr>
           <a:lstStyle/>
           <a:p>
@@ -3960,7 +3961,15 @@
             </a:r>
             <a:r>
               <a:rPr lang="en-US" dirty="0" smtClean="0"/>
-              <a:t> installer for your machine (see the syllabus).</a:t>
+              <a:t> installer for your machine (see the </a:t>
+            </a:r>
+            <a:r>
+              <a:rPr lang="en-US" dirty="0" smtClean="0"/>
+              <a:t>course schedule)</a:t>
+            </a:r>
+            <a:r>
+              <a:rPr lang="en-US" dirty="0" smtClean="0"/>
+              <a:t>.</a:t>
             </a:r>
           </a:p>
           <a:p>
@@ -3978,7 +3987,17 @@
           <a:p>
             <a:r>
               <a:rPr lang="en-US" dirty="0" smtClean="0"/>
-              <a:t>Revel in all that you have done. Look upon it for it is good.</a:t>
+              <a:t>Revel in all that you have done. Look upon it for it is good</a:t>
+            </a:r>
+            <a:r>
+              <a:rPr lang="en-US" dirty="0" smtClean="0"/>
+              <a:t>.</a:t>
+            </a:r>
+          </a:p>
+          <a:p>
+            <a:r>
+              <a:rPr lang="en-US" dirty="0" smtClean="0"/>
+              <a:t>Watch the assigned videos. Be prepared for quiz/discussion.</a:t>
             </a:r>
             <a:endParaRPr lang="en-US" dirty="0"/>
           </a:p>
